--- a/documents/PriOIDC.pptx
+++ b/documents/PriOIDC.pptx
@@ -381,7 +381,7 @@
           <a:p>
             <a:fld id="{2179708E-1204-49E6-BF86-577487265DD6}" type="datetimeFigureOut">
               <a:rPr lang="zh-CN" altLang="en-US" smtClean="0"/>
-              <a:t>2019/7/5</a:t>
+              <a:t>2019/7/12</a:t>
             </a:fld>
             <a:endParaRPr lang="zh-CN" altLang="en-US"/>
           </a:p>
@@ -584,7 +584,7 @@
           <a:p>
             <a:fld id="{2179708E-1204-49E6-BF86-577487265DD6}" type="datetimeFigureOut">
               <a:rPr lang="zh-CN" altLang="en-US" smtClean="0"/>
-              <a:t>2019/7/5</a:t>
+              <a:t>2019/7/12</a:t>
             </a:fld>
             <a:endParaRPr lang="zh-CN" altLang="en-US"/>
           </a:p>
@@ -835,7 +835,7 @@
           <a:p>
             <a:fld id="{2179708E-1204-49E6-BF86-577487265DD6}" type="datetimeFigureOut">
               <a:rPr lang="zh-CN" altLang="en-US" smtClean="0"/>
-              <a:t>2019/7/5</a:t>
+              <a:t>2019/7/12</a:t>
             </a:fld>
             <a:endParaRPr lang="zh-CN" altLang="en-US"/>
           </a:p>
@@ -1004,7 +1004,7 @@
           <a:p>
             <a:fld id="{2179708E-1204-49E6-BF86-577487265DD6}" type="datetimeFigureOut">
               <a:rPr lang="zh-CN" altLang="en-US" smtClean="0"/>
-              <a:t>2019/7/5</a:t>
+              <a:t>2019/7/12</a:t>
             </a:fld>
             <a:endParaRPr lang="zh-CN" altLang="en-US"/>
           </a:p>
@@ -1342,7 +1342,7 @@
           <a:p>
             <a:fld id="{2179708E-1204-49E6-BF86-577487265DD6}" type="datetimeFigureOut">
               <a:rPr lang="zh-CN" altLang="en-US" smtClean="0"/>
-              <a:t>2019/7/5</a:t>
+              <a:t>2019/7/12</a:t>
             </a:fld>
             <a:endParaRPr lang="zh-CN" altLang="en-US"/>
           </a:p>
@@ -1612,7 +1612,7 @@
           <a:p>
             <a:fld id="{2179708E-1204-49E6-BF86-577487265DD6}" type="datetimeFigureOut">
               <a:rPr lang="zh-CN" altLang="en-US" smtClean="0"/>
-              <a:t>2019/7/5</a:t>
+              <a:t>2019/7/12</a:t>
             </a:fld>
             <a:endParaRPr lang="zh-CN" altLang="en-US"/>
           </a:p>
@@ -1986,7 +1986,7 @@
           <a:p>
             <a:fld id="{2179708E-1204-49E6-BF86-577487265DD6}" type="datetimeFigureOut">
               <a:rPr lang="zh-CN" altLang="en-US" smtClean="0"/>
-              <a:t>2019/7/5</a:t>
+              <a:t>2019/7/12</a:t>
             </a:fld>
             <a:endParaRPr lang="zh-CN" altLang="en-US"/>
           </a:p>
@@ -2099,7 +2099,7 @@
           <a:p>
             <a:fld id="{2179708E-1204-49E6-BF86-577487265DD6}" type="datetimeFigureOut">
               <a:rPr lang="zh-CN" altLang="en-US" smtClean="0"/>
-              <a:t>2019/7/5</a:t>
+              <a:t>2019/7/12</a:t>
             </a:fld>
             <a:endParaRPr lang="zh-CN" altLang="en-US"/>
           </a:p>
@@ -2265,7 +2265,7 @@
           <a:p>
             <a:fld id="{2179708E-1204-49E6-BF86-577487265DD6}" type="datetimeFigureOut">
               <a:rPr lang="zh-CN" altLang="en-US" smtClean="0"/>
-              <a:t>2019/7/5</a:t>
+              <a:t>2019/7/12</a:t>
             </a:fld>
             <a:endParaRPr lang="zh-CN" altLang="en-US"/>
           </a:p>
@@ -2614,7 +2614,7 @@
           <a:p>
             <a:fld id="{2179708E-1204-49E6-BF86-577487265DD6}" type="datetimeFigureOut">
               <a:rPr lang="zh-CN" altLang="en-US" smtClean="0"/>
-              <a:t>2019/7/5</a:t>
+              <a:t>2019/7/12</a:t>
             </a:fld>
             <a:endParaRPr lang="zh-CN" altLang="en-US"/>
           </a:p>
@@ -2991,7 +2991,7 @@
           <a:p>
             <a:fld id="{2179708E-1204-49E6-BF86-577487265DD6}" type="datetimeFigureOut">
               <a:rPr lang="zh-CN" altLang="en-US" smtClean="0"/>
-              <a:t>2019/7/5</a:t>
+              <a:t>2019/7/12</a:t>
             </a:fld>
             <a:endParaRPr lang="zh-CN" altLang="en-US"/>
           </a:p>
@@ -3273,7 +3273,7 @@
           <a:p>
             <a:fld id="{2179708E-1204-49E6-BF86-577487265DD6}" type="datetimeFigureOut">
               <a:rPr lang="zh-CN" altLang="en-US" smtClean="0"/>
-              <a:t>2019/7/5</a:t>
+              <a:t>2019/7/12</a:t>
             </a:fld>
             <a:endParaRPr lang="zh-CN" altLang="en-US"/>
           </a:p>
@@ -4165,15 +4165,7 @@
             </a:pPr>
             <a:r>
               <a:rPr lang="en-US" altLang="zh-CN" sz="2100" dirty="0"/>
-              <a:t>The </a:t>
-            </a:r>
-            <a:r>
-              <a:rPr lang="en-US" altLang="zh-CN" sz="2100" dirty="0"/>
-              <a:t>IdP uses </a:t>
-            </a:r>
-            <a:r>
-              <a:rPr lang="en-US" altLang="zh-CN" sz="2100" dirty="0"/>
-              <a:t>an HTTP POST to the registered back-channel logout URI to trigger the logout actions by the RP</a:t>
+              <a:t>The IdP uses an HTTP POST to the registered back-channel logout URI to trigger the logout actions by the RP</a:t>
             </a:r>
             <a:endParaRPr lang="zh-CN" altLang="en-US" sz="2100" dirty="0"/>
           </a:p>
@@ -8691,7 +8683,7 @@
           <a:graphicData uri="http://schemas.openxmlformats.org/presentationml/2006/ole">
             <mc:AlternateContent xmlns:mc="http://schemas.openxmlformats.org/markup-compatibility/2006">
               <mc:Choice xmlns:v="urn:schemas-microsoft-com:vml" Requires="v">
-                <p:oleObj spid="_x0000_s1069" name="Visio" r:id="rId3" imgW="4105910" imgH="2913380" progId="Visio.Drawing.15">
+                <p:oleObj spid="_x0000_s1072" name="Visio" r:id="rId3" imgW="4105910" imgH="2913380" progId="Visio.Drawing.15">
                   <p:embed/>
                 </p:oleObj>
               </mc:Choice>
@@ -9655,7 +9647,7 @@
         </p:nvSpPr>
         <p:spPr>
           <a:xfrm>
-            <a:off x="6899910" y="2767965"/>
+            <a:off x="6882656" y="2767965"/>
             <a:ext cx="302895" cy="245110"/>
           </a:xfrm>
           <a:prstGeom prst="rect">
@@ -11364,13 +11356,21 @@
       </p:sp>
       <p:graphicFrame>
         <p:nvGraphicFramePr>
-          <p:cNvPr id="5" name="表格 4"/>
-          <p:cNvGraphicFramePr/>
-          <p:nvPr/>
+          <p:cNvPr id="4" name="表格 3"/>
+          <p:cNvGraphicFramePr>
+            <a:graphicFrameLocks noGrp="1"/>
+          </p:cNvGraphicFramePr>
+          <p:nvPr>
+            <p:extLst>
+              <p:ext uri="{D42A27DB-BD31-4B8C-83A1-F6EECF244321}">
+                <p14:modId xmlns:p14="http://schemas.microsoft.com/office/powerpoint/2010/main" val="89482264"/>
+              </p:ext>
+            </p:extLst>
+          </p:nvPr>
         </p:nvGraphicFramePr>
         <p:xfrm>
-          <a:off x="1231306" y="2328230"/>
-          <a:ext cx="8534400" cy="3429000"/>
+          <a:off x="1264248" y="2436322"/>
+          <a:ext cx="8128000" cy="2561770"/>
         </p:xfrm>
         <a:graphic>
           <a:graphicData uri="http://schemas.openxmlformats.org/drawingml/2006/table">
@@ -11379,57 +11379,18 @@
                 <a:tableStyleId>{5C22544A-7EE6-4342-B048-85BDC9FD1C3A}</a:tableStyleId>
               </a:tblPr>
               <a:tblGrid>
-                <a:gridCol w="4267200"/>
-                <a:gridCol w="4267200"/>
+                <a:gridCol w="4064000"/>
+                <a:gridCol w="4064000"/>
               </a:tblGrid>
-              <a:tr h="381000">
+              <a:tr h="512354">
                 <a:tc>
                   <a:txBody>
                     <a:bodyPr/>
                     <a:lstStyle/>
                     <a:p>
-                      <a:pPr>
-                        <a:buNone/>
-                      </a:pPr>
                       <a:r>
-                        <a:rPr lang="en-US" altLang="zh-CN" dirty="0"/>
+                        <a:rPr lang="en-US" altLang="zh-CN" dirty="0" smtClean="0"/>
                         <a:t>Phase</a:t>
-                      </a:r>
-                    </a:p>
-                  </a:txBody>
-                  <a:tcPr/>
-                </a:tc>
-                <a:tc>
-                  <a:txBody>
-                    <a:bodyPr/>
-                    <a:lstStyle/>
-                    <a:p>
-                      <a:pPr>
-                        <a:buNone/>
-                      </a:pPr>
-                      <a:r>
-                        <a:rPr lang="en-US" altLang="zh-CN"/>
-                        <a:t>Time Cost(ms)(Average in 100 times)</a:t>
-                      </a:r>
-                    </a:p>
-                  </a:txBody>
-                  <a:tcPr/>
-                </a:tc>
-              </a:tr>
-              <a:tr h="381000">
-                <a:tc>
-                  <a:txBody>
-                    <a:bodyPr/>
-                    <a:lstStyle/>
-                    <a:p>
-                      <a:pPr>
-                        <a:buNone/>
-                      </a:pPr>
-                      <a:r>
-                        <a:rPr lang="zh-CN" altLang="en-US" sz="1800" dirty="0">
-                          <a:sym typeface="+mn-ea"/>
-                        </a:rPr>
-                        <a:t>Client id Negotiation (RP)</a:t>
                       </a:r>
                       <a:endParaRPr lang="zh-CN" altLang="en-US" dirty="0"/>
                     </a:p>
@@ -11441,32 +11402,37 @@
                     <a:bodyPr/>
                     <a:lstStyle/>
                     <a:p>
-                      <a:pPr>
-                        <a:buNone/>
-                      </a:pPr>
                       <a:r>
-                        <a:rPr lang="en-US" altLang="zh-CN"/>
-                        <a:t>49</a:t>
+                        <a:rPr lang="en-US" altLang="zh-CN" dirty="0" smtClean="0"/>
+                        <a:t>Time</a:t>
                       </a:r>
+                      <a:r>
+                        <a:rPr lang="en-US" altLang="zh-CN" baseline="0" dirty="0" smtClean="0"/>
+                        <a:t> (</a:t>
+                      </a:r>
+                      <a:r>
+                        <a:rPr lang="en-US" altLang="zh-CN" baseline="0" dirty="0" err="1" smtClean="0"/>
+                        <a:t>ms</a:t>
+                      </a:r>
+                      <a:r>
+                        <a:rPr lang="en-US" altLang="zh-CN" baseline="0" dirty="0" smtClean="0"/>
+                        <a:t>) (1000 times average)</a:t>
+                      </a:r>
+                      <a:endParaRPr lang="zh-CN" altLang="en-US" dirty="0"/>
                     </a:p>
                   </a:txBody>
                   <a:tcPr/>
                 </a:tc>
               </a:tr>
-              <a:tr h="381000">
+              <a:tr h="512354">
                 <a:tc>
                   <a:txBody>
                     <a:bodyPr/>
                     <a:lstStyle/>
                     <a:p>
-                      <a:pPr>
-                        <a:buNone/>
-                      </a:pPr>
                       <a:r>
-                        <a:rPr lang="zh-CN" altLang="en-US" sz="1800" dirty="0">
-                          <a:sym typeface="+mn-ea"/>
-                        </a:rPr>
-                        <a:t>Client id Negotiation (user)</a:t>
+                        <a:rPr lang="en-US" altLang="zh-CN" dirty="0" smtClean="0"/>
+                        <a:t>Negotiation</a:t>
                       </a:r>
                       <a:endParaRPr lang="zh-CN" altLang="en-US" dirty="0"/>
                     </a:p>
@@ -11478,32 +11444,25 @@
                     <a:bodyPr/>
                     <a:lstStyle/>
                     <a:p>
-                      <a:pPr>
-                        <a:buNone/>
-                      </a:pPr>
                       <a:r>
-                        <a:rPr lang="en-US" altLang="zh-CN"/>
-                        <a:t>2967</a:t>
+                        <a:rPr lang="en-US" altLang="zh-CN" dirty="0" smtClean="0"/>
+                        <a:t>309 </a:t>
                       </a:r>
+                      <a:endParaRPr lang="zh-CN" altLang="en-US" dirty="0"/>
                     </a:p>
                   </a:txBody>
                   <a:tcPr/>
                 </a:tc>
               </a:tr>
-              <a:tr h="381000">
+              <a:tr h="512354">
                 <a:tc>
                   <a:txBody>
                     <a:bodyPr/>
                     <a:lstStyle/>
                     <a:p>
-                      <a:pPr>
-                        <a:buNone/>
-                      </a:pPr>
                       <a:r>
-                        <a:rPr lang="zh-CN" altLang="en-US" sz="1800" dirty="0">
-                          <a:sym typeface="+mn-ea"/>
-                        </a:rPr>
-                        <a:t>Dynamic registration (IdP)</a:t>
+                        <a:rPr lang="en-US" altLang="zh-CN" dirty="0" smtClean="0"/>
+                        <a:t>Registration</a:t>
                       </a:r>
                       <a:endParaRPr lang="zh-CN" altLang="en-US" dirty="0"/>
                     </a:p>
@@ -11515,34 +11474,27 @@
                     <a:bodyPr/>
                     <a:lstStyle/>
                     <a:p>
-                      <a:pPr>
-                        <a:buNone/>
-                      </a:pPr>
                       <a:r>
-                        <a:rPr lang="en-US" altLang="zh-CN" dirty="0"/>
-                        <a:t>16</a:t>
+                        <a:rPr lang="en-US" altLang="zh-CN" dirty="0" smtClean="0"/>
+                        <a:t>129</a:t>
                       </a:r>
+                      <a:endParaRPr lang="zh-CN" altLang="en-US" dirty="0"/>
                     </a:p>
                   </a:txBody>
                   <a:tcPr/>
                 </a:tc>
               </a:tr>
-              <a:tr h="381000">
+              <a:tr h="512354">
                 <a:tc>
                   <a:txBody>
                     <a:bodyPr/>
                     <a:lstStyle/>
                     <a:p>
-                      <a:pPr>
-                        <a:buNone/>
-                      </a:pPr>
                       <a:r>
-                        <a:rPr lang="zh-CN" altLang="en-US" sz="1800" dirty="0">
-                          <a:sym typeface="+mn-ea"/>
-                        </a:rPr>
-                        <a:t>Dynamic registration (user)</a:t>
+                        <a:rPr lang="en-US" altLang="zh-CN" dirty="0" err="1" smtClean="0"/>
+                        <a:t>TokenObtaining</a:t>
                       </a:r>
-                      <a:endParaRPr lang="zh-CN" altLang="en-US" dirty="0"/>
+                      <a:endParaRPr lang="en-US" altLang="zh-CN" dirty="0" smtClean="0"/>
                     </a:p>
                   </a:txBody>
                   <a:tcPr/>
@@ -11552,34 +11504,25 @@
                     <a:bodyPr/>
                     <a:lstStyle/>
                     <a:p>
-                      <a:pPr>
-                        <a:buNone/>
-                      </a:pPr>
                       <a:r>
-                        <a:rPr lang="en-US" altLang="zh-CN"/>
-                        <a:t>1001</a:t>
+                        <a:rPr lang="en-US" altLang="zh-CN" dirty="0" smtClean="0"/>
+                        <a:t>107</a:t>
                       </a:r>
                     </a:p>
                   </a:txBody>
                   <a:tcPr/>
                 </a:tc>
               </a:tr>
-              <a:tr h="381000">
+              <a:tr h="512354">
                 <a:tc>
                   <a:txBody>
                     <a:bodyPr/>
                     <a:lstStyle/>
                     <a:p>
-                      <a:pPr>
-                        <a:buNone/>
-                      </a:pPr>
                       <a:r>
-                        <a:rPr lang="zh-CN" altLang="en-US" sz="1800" dirty="0">
-                          <a:sym typeface="+mn-ea"/>
-                        </a:rPr>
-                        <a:t>Obtaining Token (IdP)</a:t>
+                        <a:rPr lang="en-US" altLang="zh-CN" dirty="0" smtClean="0"/>
+                        <a:t>Total</a:t>
                       </a:r>
-                      <a:endParaRPr lang="zh-CN" altLang="en-US" dirty="0"/>
                     </a:p>
                   </a:txBody>
                   <a:tcPr/>
@@ -11589,123 +11532,9 @@
                     <a:bodyPr/>
                     <a:lstStyle/>
                     <a:p>
-                      <a:pPr>
-                        <a:buNone/>
-                      </a:pPr>
                       <a:r>
-                        <a:rPr lang="en-US" altLang="zh-CN"/>
-                        <a:t>369</a:t>
-                      </a:r>
-                    </a:p>
-                  </a:txBody>
-                  <a:tcPr/>
-                </a:tc>
-              </a:tr>
-              <a:tr h="381000">
-                <a:tc>
-                  <a:txBody>
-                    <a:bodyPr/>
-                    <a:lstStyle/>
-                    <a:p>
-                      <a:pPr>
-                        <a:buNone/>
-                      </a:pPr>
-                      <a:r>
-                        <a:rPr lang="zh-CN" altLang="en-US" sz="1800" dirty="0">
-                          <a:sym typeface="+mn-ea"/>
-                        </a:rPr>
-                        <a:t>Obtaining Token (RP)</a:t>
-                      </a:r>
-                      <a:endParaRPr lang="zh-CN" altLang="en-US" dirty="0"/>
-                    </a:p>
-                  </a:txBody>
-                  <a:tcPr/>
-                </a:tc>
-                <a:tc>
-                  <a:txBody>
-                    <a:bodyPr/>
-                    <a:lstStyle/>
-                    <a:p>
-                      <a:pPr>
-                        <a:buNone/>
-                      </a:pPr>
-                      <a:r>
-                        <a:rPr lang="en-US" altLang="zh-CN"/>
-                        <a:t>19</a:t>
-                      </a:r>
-                    </a:p>
-                  </a:txBody>
-                  <a:tcPr/>
-                </a:tc>
-              </a:tr>
-              <a:tr h="381000">
-                <a:tc>
-                  <a:txBody>
-                    <a:bodyPr/>
-                    <a:lstStyle/>
-                    <a:p>
-                      <a:pPr>
-                        <a:buNone/>
-                      </a:pPr>
-                      <a:r>
-                        <a:rPr lang="zh-CN" altLang="en-US" sz="1800" dirty="0">
-                          <a:sym typeface="+mn-ea"/>
-                        </a:rPr>
-                        <a:t>Network Cost</a:t>
-                      </a:r>
-                      <a:endParaRPr lang="zh-CN" altLang="en-US" dirty="0"/>
-                    </a:p>
-                  </a:txBody>
-                  <a:tcPr/>
-                </a:tc>
-                <a:tc>
-                  <a:txBody>
-                    <a:bodyPr/>
-                    <a:lstStyle/>
-                    <a:p>
-                      <a:pPr>
-                        <a:buNone/>
-                      </a:pPr>
-                      <a:r>
-                        <a:rPr lang="en-US" altLang="zh-CN"/>
-                        <a:t>12</a:t>
-                      </a:r>
-                    </a:p>
-                  </a:txBody>
-                  <a:tcPr/>
-                </a:tc>
-              </a:tr>
-              <a:tr h="381000">
-                <a:tc>
-                  <a:txBody>
-                    <a:bodyPr/>
-                    <a:lstStyle/>
-                    <a:p>
-                      <a:pPr>
-                        <a:buNone/>
-                      </a:pPr>
-                      <a:r>
-                        <a:rPr lang="zh-CN" altLang="en-US" sz="1800" dirty="0">
-                          <a:sym typeface="+mn-ea"/>
-                        </a:rPr>
-                        <a:t>Total Time</a:t>
-                      </a:r>
-                      <a:endParaRPr lang="zh-CN" altLang="en-US" dirty="0"/>
-                    </a:p>
-                  </a:txBody>
-                  <a:tcPr/>
-                </a:tc>
-                <a:tc>
-                  <a:txBody>
-                    <a:bodyPr/>
-                    <a:lstStyle/>
-                    <a:p>
-                      <a:pPr>
-                        <a:buNone/>
-                      </a:pPr>
-                      <a:r>
-                        <a:rPr lang="en-US" altLang="zh-CN" dirty="0"/>
-                        <a:t>4433</a:t>
+                        <a:rPr lang="en-US" altLang="zh-CN" dirty="0" smtClean="0"/>
+                        <a:t>546</a:t>
                       </a:r>
                     </a:p>
                   </a:txBody>
@@ -11757,9 +11586,10 @@
           <a:lstStyle/>
           <a:p>
             <a:r>
-              <a:rPr lang="zh-CN" altLang="en-US"/>
-              <a:t>Optimizing</a:t>
-            </a:r>
+              <a:rPr lang="en-US" altLang="zh-CN" dirty="0" smtClean="0"/>
+              <a:t>Time Cost Analysis</a:t>
+            </a:r>
+            <a:endParaRPr lang="zh-CN" altLang="en-US" dirty="0"/>
           </a:p>
         </p:txBody>
       </p:sp>
@@ -11773,9 +11603,16 @@
             <p:ph idx="1"/>
           </p:nvPr>
         </p:nvSpPr>
-        <p:spPr/>
-        <p:txBody>
-          <a:bodyPr/>
+        <p:spPr>
+          <a:xfrm>
+            <a:off x="1097280" y="1845733"/>
+            <a:ext cx="10058400" cy="4330779"/>
+          </a:xfrm>
+        </p:spPr>
+        <p:txBody>
+          <a:bodyPr>
+            <a:normAutofit lnSpcReduction="10000"/>
+          </a:bodyPr>
           <a:lstStyle/>
           <a:p>
             <a:pPr>
@@ -11783,8 +11620,8 @@
               <a:buChar char="ü"/>
             </a:pPr>
             <a:r>
-              <a:rPr lang="en-US" altLang="zh-CN" dirty="0"/>
-              <a:t>Transparent to user</a:t>
+              <a:rPr lang="en-US" altLang="zh-CN" sz="1800" dirty="0" smtClean="0"/>
+              <a:t>Time cost in each phases</a:t>
             </a:r>
           </a:p>
           <a:p>
@@ -11793,8 +11630,8 @@
               <a:buChar char="Ø"/>
             </a:pPr>
             <a:r>
-              <a:rPr lang="en-US" altLang="zh-CN" dirty="0"/>
-              <a:t>Client id negotiation and Dynamic registration</a:t>
+              <a:rPr lang="en-US" altLang="zh-CN" sz="1600" dirty="0" smtClean="0"/>
+              <a:t>Network delay</a:t>
             </a:r>
           </a:p>
           <a:p>
@@ -11803,27 +11640,20 @@
               <a:buChar char="u"/>
             </a:pPr>
             <a:r>
-              <a:rPr lang="en-US" altLang="zh-CN" sz="1400" dirty="0"/>
-              <a:t>Running </a:t>
-            </a:r>
-            <a:r>
-              <a:rPr lang="en-US" altLang="zh-CN" sz="1400" dirty="0" smtClean="0"/>
-              <a:t>during </a:t>
-            </a:r>
-            <a:r>
-              <a:rPr lang="en-US" altLang="zh-CN" sz="1400" dirty="0"/>
-              <a:t>webpage loading</a:t>
-            </a:r>
-            <a:endParaRPr lang="en-US" altLang="zh-CN" dirty="0"/>
-          </a:p>
-          <a:p>
-            <a:pPr>
-              <a:buFont typeface="Wingdings" panose="05000000000000000000" pitchFamily="2" charset="2"/>
-              <a:buChar char="ü"/>
-            </a:pPr>
-            <a:r>
-              <a:rPr lang="en-US" altLang="zh-CN" dirty="0"/>
-              <a:t>After optimizing</a:t>
+              <a:rPr lang="en-US" altLang="zh-CN" sz="1200" dirty="0"/>
+              <a:t>Several </a:t>
+            </a:r>
+            <a:r>
+              <a:rPr lang="en-US" altLang="zh-CN" sz="1200" dirty="0" smtClean="0"/>
+              <a:t>milliseconds in </a:t>
+            </a:r>
+            <a:r>
+              <a:rPr lang="en-US" altLang="zh-CN" sz="1200" dirty="0"/>
+              <a:t>each </a:t>
+            </a:r>
+            <a:r>
+              <a:rPr lang="en-US" altLang="zh-CN" sz="1200" dirty="0" smtClean="0"/>
+              <a:t>transmission</a:t>
             </a:r>
           </a:p>
           <a:p>
@@ -11832,14 +11662,225 @@
               <a:buChar char="Ø"/>
             </a:pPr>
             <a:r>
-              <a:rPr lang="en-US" altLang="zh-CN" sz="1800" dirty="0"/>
-              <a:t>Total time cost is 406 </a:t>
-            </a:r>
-            <a:r>
-              <a:rPr lang="en-US" altLang="zh-CN" sz="1800" dirty="0" err="1" smtClean="0"/>
+              <a:rPr lang="en-US" altLang="zh-CN" sz="1600" dirty="0"/>
+              <a:t>Computing </a:t>
+            </a:r>
+            <a:r>
+              <a:rPr lang="en-US" altLang="zh-CN" sz="1600" dirty="0" smtClean="0"/>
+              <a:t>time</a:t>
+            </a:r>
+          </a:p>
+          <a:p>
+            <a:pPr lvl="2">
+              <a:buFont typeface="Wingdings" panose="05000000000000000000" pitchFamily="2" charset="2"/>
+              <a:buChar char="u"/>
+            </a:pPr>
+            <a:r>
+              <a:rPr lang="en-US" altLang="zh-CN" sz="1200" dirty="0"/>
+              <a:t>RP’s modular </a:t>
+            </a:r>
+            <a:r>
+              <a:rPr lang="en-US" altLang="zh-CN" sz="1200" dirty="0" smtClean="0"/>
+              <a:t>exponentiation, 31 </a:t>
+            </a:r>
+            <a:r>
+              <a:rPr lang="en-US" altLang="zh-CN" sz="1200" dirty="0" err="1" smtClean="0"/>
               <a:t>ms</a:t>
             </a:r>
-            <a:endParaRPr lang="en-US" altLang="zh-CN" sz="1800" dirty="0" smtClean="0"/>
+            <a:endParaRPr lang="en-US" altLang="zh-CN" sz="1200" dirty="0" smtClean="0"/>
+          </a:p>
+          <a:p>
+            <a:pPr lvl="2">
+              <a:buFont typeface="Wingdings" panose="05000000000000000000" pitchFamily="2" charset="2"/>
+              <a:buChar char="u"/>
+            </a:pPr>
+            <a:r>
+              <a:rPr lang="en-US" altLang="zh-CN" sz="1200" dirty="0"/>
+              <a:t>RP’s </a:t>
+            </a:r>
+            <a:r>
+              <a:rPr lang="en-US" altLang="zh-CN" sz="1200" dirty="0" smtClean="0"/>
+              <a:t>extend </a:t>
+            </a:r>
+            <a:r>
+              <a:rPr lang="en-US" altLang="zh-CN" sz="1200" dirty="0" err="1" smtClean="0"/>
+              <a:t>eculid</a:t>
+            </a:r>
+            <a:r>
+              <a:rPr lang="en-US" altLang="zh-CN" sz="1200" dirty="0" smtClean="0"/>
+              <a:t>, 32 </a:t>
+            </a:r>
+            <a:r>
+              <a:rPr lang="en-US" altLang="zh-CN" sz="1200" dirty="0" err="1" smtClean="0"/>
+              <a:t>ms</a:t>
+            </a:r>
+            <a:endParaRPr lang="en-US" altLang="zh-CN" sz="1200" dirty="0" smtClean="0"/>
+          </a:p>
+          <a:p>
+            <a:pPr lvl="2">
+              <a:buFont typeface="Wingdings" panose="05000000000000000000" pitchFamily="2" charset="2"/>
+              <a:buChar char="u"/>
+            </a:pPr>
+            <a:r>
+              <a:rPr lang="en-US" altLang="zh-CN" sz="1200" dirty="0" smtClean="0"/>
+              <a:t>Extension’s </a:t>
+            </a:r>
+            <a:r>
+              <a:rPr lang="en-US" altLang="zh-CN" sz="1200" dirty="0"/>
+              <a:t>modular </a:t>
+            </a:r>
+            <a:r>
+              <a:rPr lang="en-US" altLang="zh-CN" sz="1200" dirty="0" smtClean="0"/>
+              <a:t>exponentiation, 114 </a:t>
+            </a:r>
+            <a:r>
+              <a:rPr lang="en-US" altLang="zh-CN" sz="1200" dirty="0" err="1" smtClean="0"/>
+              <a:t>ms</a:t>
+            </a:r>
+            <a:endParaRPr lang="en-US" altLang="zh-CN" sz="1200" dirty="0" smtClean="0"/>
+          </a:p>
+          <a:p>
+            <a:pPr lvl="2">
+              <a:buFont typeface="Wingdings" panose="05000000000000000000" pitchFamily="2" charset="2"/>
+              <a:buChar char="u"/>
+            </a:pPr>
+            <a:r>
+              <a:rPr lang="en-US" altLang="zh-CN" sz="1200" dirty="0" err="1" smtClean="0"/>
+              <a:t>IdP’s</a:t>
+            </a:r>
+            <a:r>
+              <a:rPr lang="en-US" altLang="zh-CN" sz="1200" dirty="0" smtClean="0"/>
+              <a:t> </a:t>
+            </a:r>
+            <a:r>
+              <a:rPr lang="en-US" altLang="zh-CN" sz="1200" dirty="0"/>
+              <a:t>modular </a:t>
+            </a:r>
+            <a:r>
+              <a:rPr lang="en-US" altLang="zh-CN" sz="1200" dirty="0" smtClean="0"/>
+              <a:t>exponentiation, 5 </a:t>
+            </a:r>
+            <a:r>
+              <a:rPr lang="en-US" altLang="zh-CN" sz="1200" dirty="0" err="1" smtClean="0"/>
+              <a:t>ms</a:t>
+            </a:r>
+            <a:endParaRPr lang="en-US" altLang="zh-CN" sz="1200" dirty="0" smtClean="0"/>
+          </a:p>
+          <a:p>
+            <a:pPr lvl="1">
+              <a:buFont typeface="Wingdings" panose="05000000000000000000" pitchFamily="2" charset="2"/>
+              <a:buChar char="Ø"/>
+            </a:pPr>
+            <a:r>
+              <a:rPr lang="en-US" altLang="zh-CN" sz="1600" dirty="0" smtClean="0"/>
+              <a:t>Negotiation</a:t>
+            </a:r>
+          </a:p>
+          <a:p>
+            <a:pPr lvl="2">
+              <a:buFont typeface="Wingdings" panose="05000000000000000000" pitchFamily="2" charset="2"/>
+              <a:buChar char="u"/>
+            </a:pPr>
+            <a:r>
+              <a:rPr lang="en-US" altLang="zh-CN" sz="1200" dirty="0" smtClean="0"/>
+              <a:t>3 RP’s </a:t>
+            </a:r>
+            <a:r>
+              <a:rPr lang="en-US" altLang="zh-CN" sz="1200" dirty="0"/>
+              <a:t>modular </a:t>
+            </a:r>
+            <a:r>
+              <a:rPr lang="en-US" altLang="zh-CN" sz="1200" dirty="0" smtClean="0"/>
+              <a:t>exponentiation, 2 extension’s </a:t>
+            </a:r>
+            <a:r>
+              <a:rPr lang="en-US" altLang="zh-CN" sz="1200" dirty="0"/>
+              <a:t>modular exponentiation</a:t>
+            </a:r>
+            <a:endParaRPr lang="en-US" altLang="zh-CN" sz="1200" dirty="0" smtClean="0"/>
+          </a:p>
+          <a:p>
+            <a:pPr lvl="1">
+              <a:buFont typeface="Wingdings" panose="05000000000000000000" pitchFamily="2" charset="2"/>
+              <a:buChar char="Ø"/>
+            </a:pPr>
+            <a:r>
+              <a:rPr lang="en-US" altLang="zh-CN" sz="1600" dirty="0" smtClean="0"/>
+              <a:t>Registration</a:t>
+            </a:r>
+          </a:p>
+          <a:p>
+            <a:pPr lvl="2">
+              <a:buFont typeface="Wingdings" panose="05000000000000000000" pitchFamily="2" charset="2"/>
+              <a:buChar char="u"/>
+            </a:pPr>
+            <a:r>
+              <a:rPr lang="en-US" altLang="zh-CN" sz="1200" dirty="0"/>
+              <a:t>1 extension’s modular exponentiation</a:t>
+            </a:r>
+            <a:endParaRPr lang="en-US" altLang="zh-CN" sz="1200" dirty="0" smtClean="0"/>
+          </a:p>
+          <a:p>
+            <a:pPr lvl="1">
+              <a:buFont typeface="Wingdings" panose="05000000000000000000" pitchFamily="2" charset="2"/>
+              <a:buChar char="Ø"/>
+            </a:pPr>
+            <a:r>
+              <a:rPr lang="en-US" altLang="zh-CN" sz="1600" dirty="0" err="1" smtClean="0"/>
+              <a:t>TokenObtaining</a:t>
+            </a:r>
+            <a:endParaRPr lang="en-US" altLang="zh-CN" sz="1600" dirty="0" smtClean="0"/>
+          </a:p>
+          <a:p>
+            <a:pPr lvl="2">
+              <a:buFont typeface="Wingdings" panose="05000000000000000000" pitchFamily="2" charset="2"/>
+              <a:buChar char="u"/>
+            </a:pPr>
+            <a:r>
+              <a:rPr lang="en-US" altLang="zh-CN" sz="1200" dirty="0"/>
+              <a:t>1 </a:t>
+            </a:r>
+            <a:r>
+              <a:rPr lang="en-US" altLang="zh-CN" sz="1200" dirty="0" smtClean="0"/>
+              <a:t>RP’s </a:t>
+            </a:r>
+            <a:r>
+              <a:rPr lang="en-US" altLang="zh-CN" sz="1200" dirty="0"/>
+              <a:t>modular </a:t>
+            </a:r>
+            <a:r>
+              <a:rPr lang="en-US" altLang="zh-CN" sz="1200" dirty="0" smtClean="0"/>
+              <a:t>exponentiation, 1RP’s </a:t>
+            </a:r>
+            <a:r>
+              <a:rPr lang="en-US" altLang="zh-CN" sz="1200" dirty="0"/>
+              <a:t>extend </a:t>
+            </a:r>
+            <a:r>
+              <a:rPr lang="en-US" altLang="zh-CN" sz="1200" dirty="0" err="1" smtClean="0"/>
+              <a:t>eculid</a:t>
+            </a:r>
+            <a:r>
+              <a:rPr lang="en-US" altLang="zh-CN" sz="1200" dirty="0" smtClean="0"/>
+              <a:t>, 1 </a:t>
+            </a:r>
+            <a:r>
+              <a:rPr lang="en-US" altLang="zh-CN" sz="1200" dirty="0" err="1" smtClean="0"/>
+              <a:t>IdP’s</a:t>
+            </a:r>
+            <a:r>
+              <a:rPr lang="en-US" altLang="zh-CN" sz="1200" dirty="0" smtClean="0"/>
+              <a:t> </a:t>
+            </a:r>
+            <a:r>
+              <a:rPr lang="en-US" altLang="zh-CN" sz="1200" dirty="0"/>
+              <a:t>modular </a:t>
+            </a:r>
+            <a:r>
+              <a:rPr lang="en-US" altLang="zh-CN" sz="1200" dirty="0" smtClean="0"/>
+              <a:t>exponentiation, </a:t>
+            </a:r>
+            <a:endParaRPr lang="en-US" altLang="zh-CN" sz="1200" dirty="0" smtClean="0"/>
           </a:p>
           <a:p>
             <a:pPr>
